--- a/_posts/升级/2019/H4186-李尚-2019-升级答辩PPT .pptx
+++ b/_posts/升级/2019/H4186-李尚-2019-升级答辩PPT .pptx
@@ -8278,11 +8278,7 @@
             </a:pPr>
             <a:r>
               <a:rPr kumimoji="1" lang="zh-CN" altLang="en-US" sz="2000" b="1" dirty="0" smtClean="0"/>
-              <a:t>支持文字图片</a:t>
-            </a:r>
-            <a:r>
-              <a:rPr kumimoji="1" lang="zh-CN" altLang="en-US" sz="2000" b="1" smtClean="0"/>
-              <a:t>、背景等</a:t>
+              <a:t>支持文字图片、背景等</a:t>
             </a:r>
             <a:endParaRPr kumimoji="1" lang="en-US" altLang="zh-CN" sz="2000" b="1" dirty="0" smtClean="0"/>
           </a:p>

--- a/_posts/升级/2019/H4186-李尚-2019-升级答辩PPT .pptx
+++ b/_posts/升级/2019/H4186-李尚-2019-升级答辩PPT .pptx
@@ -20,8 +20,8 @@
     <p:sldId id="1402" r:id="rId8"/>
     <p:sldId id="1403" r:id="rId9"/>
     <p:sldId id="1406" r:id="rId10"/>
-    <p:sldId id="1411" r:id="rId11"/>
-    <p:sldId id="1412" r:id="rId12"/>
+    <p:sldId id="1412" r:id="rId11"/>
+    <p:sldId id="1411" r:id="rId12"/>
     <p:sldId id="1381" r:id="rId13"/>
     <p:sldId id="1401" r:id="rId14"/>
     <p:sldId id="1407" r:id="rId15"/>
@@ -1530,7 +1530,7 @@
     </p:spTree>
     <p:extLst>
       <p:ext uri="{BB962C8B-B14F-4D97-AF65-F5344CB8AC3E}">
-        <p14:creationId xmlns:p14="http://schemas.microsoft.com/office/powerpoint/2010/main" val="83597563"/>
+        <p14:creationId xmlns:p14="http://schemas.microsoft.com/office/powerpoint/2010/main" val="843766362"/>
       </p:ext>
     </p:extLst>
   </p:cSld>
@@ -1755,7 +1755,7 @@
     </p:spTree>
     <p:extLst>
       <p:ext uri="{BB962C8B-B14F-4D97-AF65-F5344CB8AC3E}">
-        <p14:creationId xmlns:p14="http://schemas.microsoft.com/office/powerpoint/2010/main" val="843766362"/>
+        <p14:creationId xmlns:p14="http://schemas.microsoft.com/office/powerpoint/2010/main" val="83597563"/>
       </p:ext>
     </p:extLst>
   </p:cSld>
@@ -7023,7 +7023,7 @@
           <a:p>
             <a:fld id="{4BBC6DC2-B80C-4961-94AA-CC4E29D25E6E}" type="datetimeFigureOut">
               <a:rPr lang="zh-CN" altLang="en-US" smtClean="0"/>
-              <a:t>2019/2/20</a:t>
+              <a:t>2019/2/27</a:t>
             </a:fld>
             <a:endParaRPr lang="zh-CN" altLang="en-US"/>
           </a:p>
@@ -7412,7 +7412,7 @@
           <a:p>
             <a:fld id="{4BBC6DC2-B80C-4961-94AA-CC4E29D25E6E}" type="datetimeFigureOut">
               <a:rPr lang="zh-CN" altLang="en-US" smtClean="0"/>
-              <a:t>2019/2/20</a:t>
+              <a:t>2019/2/27</a:t>
             </a:fld>
             <a:endParaRPr lang="zh-CN" altLang="en-US"/>
           </a:p>
@@ -8225,7 +8225,15 @@
             </a:r>
             <a:r>
               <a:rPr lang="zh-CN" altLang="en-US" dirty="0" smtClean="0"/>
-              <a:t> 换肤开发及优化</a:t>
+              <a:t> </a:t>
+            </a:r>
+            <a:r>
+              <a:rPr lang="en-US" altLang="zh-CN" dirty="0" smtClean="0"/>
+              <a:t>P</a:t>
+            </a:r>
+            <a:r>
+              <a:rPr lang="zh-CN" altLang="en-US" dirty="0" smtClean="0"/>
+              <a:t>适配</a:t>
             </a:r>
             <a:endParaRPr lang="zh-CN" altLang="en-US" dirty="0"/>
           </a:p>
@@ -8240,7 +8248,7 @@
         <p:spPr>
           <a:xfrm>
             <a:off x="551384" y="2306086"/>
-            <a:ext cx="2922595" cy="707886"/>
+            <a:ext cx="9073008" cy="1938992"/>
           </a:xfrm>
           <a:prstGeom prst="rect">
             <a:avLst/>
@@ -8248,37 +8256,89 @@
           <a:noFill/>
         </p:spPr>
         <p:txBody>
-          <a:bodyPr wrap="none" rtlCol="0">
+          <a:bodyPr wrap="square" rtlCol="0">
             <a:spAutoFit/>
           </a:bodyPr>
           <a:lstStyle/>
           <a:p>
-            <a:pPr marL="171450" indent="-171450">
+            <a:pPr marL="342900" indent="-342900" latinLnBrk="1">
+              <a:lnSpc>
+                <a:spcPct val="200000"/>
+              </a:lnSpc>
               <a:buFont typeface="Arial" charset="0"/>
               <a:buChar char="•"/>
             </a:pPr>
             <a:r>
-              <a:rPr kumimoji="1" lang="zh-CN" altLang="en-US" sz="2000" b="1" dirty="0" smtClean="0"/>
-              <a:t>支持</a:t>
-            </a:r>
-            <a:r>
-              <a:rPr kumimoji="1" lang="en-US" altLang="zh-CN" sz="2000" b="1" dirty="0" smtClean="0"/>
-              <a:t>GIF</a:t>
-            </a:r>
-            <a:r>
-              <a:rPr kumimoji="1" lang="zh-CN" altLang="en-US" sz="2000" b="1" dirty="0" smtClean="0"/>
-              <a:t>换肤</a:t>
-            </a:r>
-            <a:endParaRPr kumimoji="1" lang="en-US" altLang="zh-CN" sz="2000" b="1" dirty="0" smtClean="0"/>
-          </a:p>
-          <a:p>
-            <a:pPr marL="171450" indent="-171450">
+              <a:rPr kumimoji="1" lang="en-US" altLang="zh-CN" sz="2000" b="1" dirty="0"/>
+              <a:t>Android6.0</a:t>
+            </a:r>
+            <a:r>
+              <a:rPr kumimoji="1" lang="zh-CN" altLang="en-US" sz="2000" b="1" dirty="0"/>
+              <a:t>到</a:t>
+            </a:r>
+            <a:r>
+              <a:rPr kumimoji="1" lang="en-US" altLang="zh-CN" sz="2000" b="1" dirty="0"/>
+              <a:t>Android9.0</a:t>
+            </a:r>
+            <a:r>
+              <a:rPr kumimoji="1" lang="zh-CN" altLang="en-US" sz="2000" b="1" dirty="0"/>
+              <a:t>适配</a:t>
+            </a:r>
+            <a:endParaRPr kumimoji="1" lang="en-US" altLang="zh-CN" sz="2000" b="1" dirty="0"/>
+          </a:p>
+          <a:p>
+            <a:pPr marL="342900" indent="-342900" latinLnBrk="1">
+              <a:lnSpc>
+                <a:spcPct val="200000"/>
+              </a:lnSpc>
               <a:buFont typeface="Arial" charset="0"/>
               <a:buChar char="•"/>
             </a:pPr>
             <a:r>
+              <a:rPr kumimoji="1" lang="en-US" altLang="zh-CN" sz="2000" b="1" dirty="0" smtClean="0"/>
+              <a:t>Android</a:t>
+            </a:r>
+            <a:r>
               <a:rPr kumimoji="1" lang="zh-CN" altLang="en-US" sz="2000" b="1" dirty="0" smtClean="0"/>
-              <a:t>支持文字图片、背景等</a:t>
+              <a:t>独立权限</a:t>
+            </a:r>
+            <a:r>
+              <a:rPr kumimoji="1" lang="zh-CN" altLang="en-US" sz="2000" b="1" dirty="0"/>
+              <a:t>兼容库的</a:t>
+            </a:r>
+            <a:r>
+              <a:rPr kumimoji="1" lang="zh-CN" altLang="en-US" sz="2000" b="1" dirty="0" smtClean="0"/>
+              <a:t>实现及权限</a:t>
+            </a:r>
+            <a:r>
+              <a:rPr kumimoji="1" lang="zh-CN" altLang="en-US" sz="2000" b="1" dirty="0"/>
+              <a:t>管理原理分析</a:t>
+            </a:r>
+            <a:endParaRPr kumimoji="1" lang="en-US" altLang="zh-CN" sz="2000" b="1" dirty="0"/>
+          </a:p>
+          <a:p>
+            <a:pPr marL="342900" indent="-342900" latinLnBrk="1">
+              <a:lnSpc>
+                <a:spcPct val="200000"/>
+              </a:lnSpc>
+              <a:buFont typeface="Arial" charset="0"/>
+              <a:buChar char="•"/>
+            </a:pPr>
+            <a:r>
+              <a:rPr kumimoji="1" lang="en-US" altLang="zh-CN" sz="2000" b="1" dirty="0" smtClean="0"/>
+              <a:t>Android</a:t>
+            </a:r>
+            <a:r>
+              <a:rPr kumimoji="1" lang="zh-CN" altLang="en-US" sz="2000" b="1" dirty="0" smtClean="0"/>
+              <a:t>各个</a:t>
+            </a:r>
+            <a:r>
+              <a:rPr kumimoji="1" lang="zh-CN" altLang="en-US" sz="2000" b="1" dirty="0"/>
+              <a:t>版本兼容功能</a:t>
+            </a:r>
+            <a:r>
+              <a:rPr kumimoji="1" lang="zh-CN" altLang="en-US" sz="2000" b="1" dirty="0" smtClean="0"/>
+              <a:t>的兼容修改</a:t>
             </a:r>
             <a:endParaRPr kumimoji="1" lang="en-US" altLang="zh-CN" sz="2000" b="1" dirty="0" smtClean="0"/>
           </a:p>
@@ -8287,7 +8347,7 @@
     </p:spTree>
     <p:extLst>
       <p:ext uri="{BB962C8B-B14F-4D97-AF65-F5344CB8AC3E}">
-        <p14:creationId xmlns:p14="http://schemas.microsoft.com/office/powerpoint/2010/main" val="1604580427"/>
+        <p14:creationId xmlns:p14="http://schemas.microsoft.com/office/powerpoint/2010/main" val="1349973731"/>
       </p:ext>
     </p:extLst>
   </p:cSld>
@@ -8337,6 +8397,10 @@
           <a:lstStyle/>
           <a:p>
             <a:r>
+              <a:rPr lang="zh-CN" altLang="en-US" dirty="0" smtClean="0"/>
+              <a:t>严选</a:t>
+            </a:r>
+            <a:r>
               <a:rPr lang="en-US" altLang="zh-CN" dirty="0" smtClean="0"/>
               <a:t>Android</a:t>
             </a:r>
@@ -8345,12 +8409,8 @@
               <a:t> </a:t>
             </a:r>
             <a:r>
-              <a:rPr lang="en-US" altLang="zh-CN" dirty="0" smtClean="0"/>
-              <a:t>P</a:t>
-            </a:r>
-            <a:r>
               <a:rPr lang="zh-CN" altLang="en-US" dirty="0" smtClean="0"/>
-              <a:t>适配</a:t>
+              <a:t>换肤开发及优化</a:t>
             </a:r>
             <a:endParaRPr lang="zh-CN" altLang="en-US" dirty="0"/>
           </a:p>
@@ -8364,8 +8424,8 @@
         </p:nvSpPr>
         <p:spPr>
           <a:xfrm>
-            <a:off x="551384" y="2306086"/>
-            <a:ext cx="3807453" cy="1631216"/>
+            <a:off x="551384" y="2204864"/>
+            <a:ext cx="4419800" cy="1323439"/>
           </a:xfrm>
           <a:prstGeom prst="rect">
             <a:avLst/>
@@ -8384,21 +8444,38 @@
             </a:pPr>
             <a:r>
               <a:rPr kumimoji="1" lang="en-US" altLang="zh-CN" sz="2000" b="1" dirty="0" smtClean="0"/>
-              <a:t>Android6.0</a:t>
+              <a:t>Android</a:t>
             </a:r>
             <a:r>
               <a:rPr kumimoji="1" lang="zh-CN" altLang="en-US" sz="2000" b="1" dirty="0" smtClean="0"/>
-              <a:t>到</a:t>
-            </a:r>
+              <a:t>换肤优化及代码重构</a:t>
+            </a:r>
+            <a:endParaRPr kumimoji="1" lang="en-US" altLang="zh-CN" sz="2000" b="1" dirty="0" smtClean="0"/>
+          </a:p>
+          <a:p>
+            <a:pPr marL="171450" indent="-171450">
+              <a:lnSpc>
+                <a:spcPct val="200000"/>
+              </a:lnSpc>
+              <a:buFont typeface="Arial" charset="0"/>
+              <a:buChar char="•"/>
+            </a:pPr>
             <a:r>
               <a:rPr kumimoji="1" lang="en-US" altLang="zh-CN" sz="2000" b="1" dirty="0" smtClean="0"/>
-              <a:t>Android9.0</a:t>
+              <a:t>Android</a:t>
             </a:r>
             <a:r>
               <a:rPr kumimoji="1" lang="zh-CN" altLang="en-US" sz="2000" b="1" dirty="0" smtClean="0"/>
-              <a:t>适配</a:t>
-            </a:r>
-            <a:endParaRPr kumimoji="1" lang="en-US" altLang="zh-CN" sz="2000" b="1" dirty="0" smtClean="0"/>
+              <a:t>换肤</a:t>
+            </a:r>
+            <a:r>
+              <a:rPr kumimoji="1" lang="zh-CN" altLang="en-US" sz="2000" b="1" dirty="0" smtClean="0"/>
+              <a:t>支持</a:t>
+            </a:r>
+            <a:r>
+              <a:rPr kumimoji="1" lang="en-US" altLang="zh-CN" sz="2000" b="1" dirty="0" smtClean="0"/>
+              <a:t>GIF</a:t>
+            </a:r>
           </a:p>
           <a:p>
             <a:pPr marL="171450" indent="-171450">
@@ -8406,42 +8483,17 @@
               <a:buChar char="•"/>
             </a:pPr>
             <a:r>
+              <a:rPr kumimoji="1" lang="en-US" altLang="zh-CN" sz="2000" b="1" dirty="0"/>
+              <a:t>Android</a:t>
+            </a:r>
+            <a:r>
               <a:rPr kumimoji="1" lang="zh-CN" altLang="en-US" sz="2000" b="1" dirty="0" smtClean="0"/>
-              <a:t>权限兼容库的实现</a:t>
-            </a:r>
-            <a:endParaRPr kumimoji="1" lang="en-US" altLang="zh-CN" sz="2000" b="1" dirty="0" smtClean="0"/>
-          </a:p>
-          <a:p>
-            <a:pPr marL="171450" indent="-171450">
-              <a:buFont typeface="Arial" charset="0"/>
-              <a:buChar char="•"/>
-            </a:pPr>
-            <a:r>
-              <a:rPr kumimoji="1" lang="en-US" altLang="zh-CN" sz="2000" b="1" dirty="0" smtClean="0"/>
-              <a:t>Android</a:t>
+              <a:t>换肤支持</a:t>
             </a:r>
             <a:r>
               <a:rPr kumimoji="1" lang="zh-CN" altLang="en-US" sz="2000" b="1" dirty="0" smtClean="0"/>
-              <a:t>权限管理原理分析</a:t>
-            </a:r>
-            <a:endParaRPr kumimoji="1" lang="en-US" altLang="zh-CN" sz="2000" b="1" dirty="0" smtClean="0"/>
-          </a:p>
-          <a:p>
-            <a:pPr marL="171450" indent="-171450">
-              <a:buFont typeface="Arial" charset="0"/>
-              <a:buChar char="•"/>
-            </a:pPr>
-            <a:r>
-              <a:rPr kumimoji="1" lang="zh-CN" altLang="en-US" sz="2000" b="1" dirty="0" smtClean="0"/>
-              <a:t>各个版本兼容功能的实现</a:t>
-            </a:r>
-            <a:endParaRPr kumimoji="1" lang="en-US" altLang="zh-CN" sz="2000" b="1" dirty="0" smtClean="0"/>
-          </a:p>
-          <a:p>
-            <a:pPr marL="171450" indent="-171450">
-              <a:buFont typeface="Arial" charset="0"/>
-              <a:buChar char="•"/>
-            </a:pPr>
+              <a:t>文字图片、背景等</a:t>
+            </a:r>
             <a:endParaRPr kumimoji="1" lang="en-US" altLang="zh-CN" sz="2000" b="1" dirty="0" smtClean="0"/>
           </a:p>
         </p:txBody>
@@ -8449,7 +8501,7 @@
     </p:spTree>
     <p:extLst>
       <p:ext uri="{BB962C8B-B14F-4D97-AF65-F5344CB8AC3E}">
-        <p14:creationId xmlns:p14="http://schemas.microsoft.com/office/powerpoint/2010/main" val="1349973731"/>
+        <p14:creationId xmlns:p14="http://schemas.microsoft.com/office/powerpoint/2010/main" val="1604580427"/>
       </p:ext>
     </p:extLst>
   </p:cSld>
@@ -8521,7 +8573,7 @@
         <p:spPr>
           <a:xfrm>
             <a:off x="576198" y="1124744"/>
-            <a:ext cx="10920402" cy="3046988"/>
+            <a:ext cx="10920402" cy="4305730"/>
           </a:xfrm>
           <a:prstGeom prst="rect">
             <a:avLst/>
@@ -8534,10 +8586,13 @@
           <a:lstStyle/>
           <a:p>
             <a:pPr marL="342900" indent="-342900">
+              <a:lnSpc>
+                <a:spcPct val="200000"/>
+              </a:lnSpc>
               <a:buFont typeface="Arial" charset="0"/>
               <a:buChar char="•"/>
             </a:pPr>
-            <a:endParaRPr lang="zh-CN" altLang="en-US" sz="2400" dirty="0">
+            <a:endParaRPr lang="zh-CN" altLang="en-US" sz="2000" dirty="0">
               <a:solidFill>
                 <a:srgbClr val="333333"/>
               </a:solidFill>
@@ -8546,11 +8601,14 @@
           </a:p>
           <a:p>
             <a:pPr marL="342900" lvl="1" indent="-342900">
+              <a:lnSpc>
+                <a:spcPct val="200000"/>
+              </a:lnSpc>
               <a:buFont typeface="Arial" charset="0"/>
               <a:buChar char="•"/>
             </a:pPr>
             <a:r>
-              <a:rPr lang="zh-CN" altLang="en-US" sz="2400" dirty="0">
+              <a:rPr lang="zh-CN" altLang="en-US" sz="2000" dirty="0">
                 <a:solidFill>
                   <a:srgbClr val="333333"/>
                 </a:solidFill>
@@ -8559,7 +8617,7 @@
               <a:t>在严选团队中作为新入职员工的导师，辅助</a:t>
             </a:r>
             <a:r>
-              <a:rPr lang="zh-CN" altLang="en-US" sz="2400" dirty="0" smtClean="0">
+              <a:rPr lang="zh-CN" altLang="en-US" sz="2000" dirty="0" smtClean="0">
                 <a:solidFill>
                   <a:srgbClr val="333333"/>
                 </a:solidFill>
@@ -8568,7 +8626,7 @@
               <a:t>指导</a:t>
             </a:r>
             <a:r>
-              <a:rPr lang="en-US" altLang="zh-CN" sz="2400" dirty="0" smtClean="0">
+              <a:rPr lang="en-US" altLang="zh-CN" sz="2000" dirty="0" smtClean="0">
                 <a:solidFill>
                   <a:srgbClr val="333333"/>
                 </a:solidFill>
@@ -8577,7 +8635,7 @@
               <a:t>2</a:t>
             </a:r>
             <a:r>
-              <a:rPr lang="zh-CN" altLang="en-US" sz="2400" dirty="0" smtClean="0">
+              <a:rPr lang="zh-CN" altLang="en-US" sz="2000" dirty="0" smtClean="0">
                 <a:solidFill>
                   <a:srgbClr val="333333"/>
                 </a:solidFill>
@@ -8585,7 +8643,7 @@
               </a:rPr>
               <a:t>名新入职员工日常开发，并转正</a:t>
             </a:r>
-            <a:endParaRPr lang="en-US" altLang="zh-CN" sz="2400" dirty="0" smtClean="0">
+            <a:endParaRPr lang="en-US" altLang="zh-CN" sz="2000" dirty="0" smtClean="0">
               <a:solidFill>
                 <a:srgbClr val="333333"/>
               </a:solidFill>
@@ -8594,11 +8652,14 @@
           </a:p>
           <a:p>
             <a:pPr marL="342900" lvl="1" indent="-342900">
+              <a:lnSpc>
+                <a:spcPct val="200000"/>
+              </a:lnSpc>
               <a:buFont typeface="Arial" charset="0"/>
               <a:buChar char="•"/>
             </a:pPr>
             <a:r>
-              <a:rPr lang="zh-CN" altLang="en-US" sz="2400" dirty="0" smtClean="0">
+              <a:rPr lang="zh-CN" altLang="en-US" sz="2000" dirty="0" smtClean="0">
                 <a:solidFill>
                   <a:srgbClr val="333333"/>
                 </a:solidFill>
@@ -8607,7 +8668,7 @@
               <a:t>开源会议的参与 </a:t>
             </a:r>
             <a:r>
-              <a:rPr lang="en-US" altLang="zh-CN" sz="2400" dirty="0" smtClean="0">
+              <a:rPr lang="en-US" altLang="zh-CN" sz="2000" dirty="0" smtClean="0">
                 <a:solidFill>
                   <a:srgbClr val="333333"/>
                 </a:solidFill>
@@ -8616,7 +8677,7 @@
               <a:t>Google</a:t>
             </a:r>
             <a:r>
-              <a:rPr lang="zh-CN" altLang="en-US" sz="2400" dirty="0" smtClean="0">
+              <a:rPr lang="zh-CN" altLang="en-US" sz="2000" dirty="0" smtClean="0">
                 <a:solidFill>
                   <a:srgbClr val="333333"/>
                 </a:solidFill>
@@ -8625,7 +8686,7 @@
               <a:t>开发者大会、</a:t>
             </a:r>
             <a:r>
-              <a:rPr lang="en-US" altLang="zh-CN" sz="2400" dirty="0" smtClean="0">
+              <a:rPr lang="en-US" altLang="zh-CN" sz="2000" dirty="0" smtClean="0">
                 <a:solidFill>
                   <a:srgbClr val="333333"/>
                 </a:solidFill>
@@ -8634,7 +8695,7 @@
               <a:t>Google</a:t>
             </a:r>
             <a:r>
-              <a:rPr lang="zh-CN" altLang="en-US" sz="2400" dirty="0" smtClean="0">
+              <a:rPr lang="zh-CN" altLang="en-US" sz="2000" dirty="0" smtClean="0">
                 <a:solidFill>
                   <a:srgbClr val="333333"/>
                 </a:solidFill>
@@ -8643,7 +8704,7 @@
               <a:t> </a:t>
             </a:r>
             <a:r>
-              <a:rPr lang="en-US" altLang="zh-CN" sz="2400" dirty="0" smtClean="0">
+              <a:rPr lang="en-US" altLang="zh-CN" sz="2000" dirty="0" smtClean="0">
                 <a:solidFill>
                   <a:srgbClr val="333333"/>
                 </a:solidFill>
@@ -8652,7 +8713,7 @@
               <a:t>Android</a:t>
             </a:r>
             <a:r>
-              <a:rPr lang="zh-CN" altLang="en-US" sz="2400" dirty="0" smtClean="0">
+              <a:rPr lang="zh-CN" altLang="en-US" sz="2000" dirty="0" smtClean="0">
                 <a:solidFill>
                   <a:srgbClr val="333333"/>
                 </a:solidFill>
@@ -8661,7 +8722,7 @@
               <a:t> </a:t>
             </a:r>
             <a:r>
-              <a:rPr lang="en-US" altLang="zh-CN" sz="2400" dirty="0" smtClean="0">
+              <a:rPr lang="en-US" altLang="zh-CN" sz="2000" dirty="0" smtClean="0">
                 <a:solidFill>
                   <a:srgbClr val="333333"/>
                 </a:solidFill>
@@ -8670,7 +8731,7 @@
               <a:t>P</a:t>
             </a:r>
             <a:r>
-              <a:rPr lang="zh-CN" altLang="en-US" sz="2400" dirty="0" smtClean="0">
+              <a:rPr lang="zh-CN" altLang="en-US" sz="2000" dirty="0" smtClean="0">
                 <a:solidFill>
                   <a:srgbClr val="333333"/>
                 </a:solidFill>
@@ -8679,7 +8740,7 @@
               <a:t>大会、</a:t>
             </a:r>
             <a:r>
-              <a:rPr lang="en-US" altLang="zh-CN" sz="2400" dirty="0" smtClean="0">
+              <a:rPr lang="en-US" altLang="zh-CN" sz="2000" dirty="0" smtClean="0">
                 <a:solidFill>
                   <a:srgbClr val="333333"/>
                 </a:solidFill>
@@ -8688,7 +8749,7 @@
               <a:t>Android</a:t>
             </a:r>
             <a:r>
-              <a:rPr lang="zh-CN" altLang="en-US" sz="2400" dirty="0" smtClean="0">
+              <a:rPr lang="zh-CN" altLang="en-US" sz="2000" dirty="0" smtClean="0">
                 <a:solidFill>
                   <a:srgbClr val="333333"/>
                 </a:solidFill>
@@ -8697,7 +8758,7 @@
               <a:t>绿色联盟大会，促使适配</a:t>
             </a:r>
             <a:r>
-              <a:rPr lang="en-US" altLang="zh-CN" sz="2400" dirty="0" smtClean="0">
+              <a:rPr lang="en-US" altLang="zh-CN" sz="2000" dirty="0" smtClean="0">
                 <a:solidFill>
                   <a:srgbClr val="333333"/>
                 </a:solidFill>
@@ -8706,7 +8767,7 @@
               <a:t>Android</a:t>
             </a:r>
             <a:r>
-              <a:rPr lang="zh-CN" altLang="en-US" sz="2400" dirty="0" smtClean="0">
+              <a:rPr lang="zh-CN" altLang="en-US" sz="2000" dirty="0" smtClean="0">
                 <a:solidFill>
                   <a:srgbClr val="333333"/>
                 </a:solidFill>
@@ -8715,7 +8776,7 @@
               <a:t> </a:t>
             </a:r>
             <a:r>
-              <a:rPr lang="en-US" altLang="zh-CN" sz="2400" dirty="0" smtClean="0">
+              <a:rPr lang="en-US" altLang="zh-CN" sz="2000" dirty="0" smtClean="0">
                 <a:solidFill>
                   <a:srgbClr val="333333"/>
                 </a:solidFill>
@@ -8724,7 +8785,7 @@
               <a:t>P</a:t>
             </a:r>
             <a:r>
-              <a:rPr lang="zh-CN" altLang="en-US" sz="2400" dirty="0" smtClean="0">
+              <a:rPr lang="zh-CN" altLang="en-US" sz="2000" dirty="0" smtClean="0">
                 <a:solidFill>
                   <a:srgbClr val="333333"/>
                 </a:solidFill>
@@ -8733,7 +8794,7 @@
               <a:t>及引入</a:t>
             </a:r>
             <a:r>
-              <a:rPr lang="en-US" altLang="zh-CN" sz="2400" dirty="0" smtClean="0">
+              <a:rPr lang="en-US" altLang="zh-CN" sz="2000" dirty="0" smtClean="0">
                 <a:solidFill>
                   <a:srgbClr val="333333"/>
                 </a:solidFill>
@@ -8742,7 +8803,7 @@
               <a:t>Google</a:t>
             </a:r>
             <a:r>
-              <a:rPr lang="zh-CN" altLang="en-US" sz="2400" dirty="0" smtClean="0">
+              <a:rPr lang="zh-CN" altLang="en-US" sz="2000" dirty="0" smtClean="0">
                 <a:solidFill>
                   <a:srgbClr val="333333"/>
                 </a:solidFill>
@@ -8751,7 +8812,7 @@
               <a:t>推荐的</a:t>
             </a:r>
             <a:r>
-              <a:rPr lang="en-US" altLang="zh-CN" sz="2400" dirty="0" err="1" smtClean="0">
+              <a:rPr lang="en-US" altLang="zh-CN" sz="2000" dirty="0" err="1" smtClean="0">
                 <a:solidFill>
                   <a:srgbClr val="333333"/>
                 </a:solidFill>
@@ -8760,7 +8821,7 @@
               <a:t>JetPack</a:t>
             </a:r>
             <a:r>
-              <a:rPr lang="zh-CN" altLang="en-US" sz="2400" dirty="0" smtClean="0">
+              <a:rPr lang="zh-CN" altLang="en-US" sz="2000" dirty="0" smtClean="0">
                 <a:solidFill>
                   <a:srgbClr val="333333"/>
                 </a:solidFill>
@@ -8768,7 +8829,7 @@
               </a:rPr>
               <a:t>框架</a:t>
             </a:r>
-            <a:endParaRPr lang="en-US" altLang="zh-CN" sz="2400" dirty="0">
+            <a:endParaRPr lang="en-US" altLang="zh-CN" sz="2000" dirty="0">
               <a:solidFill>
                 <a:srgbClr val="333333"/>
               </a:solidFill>
@@ -8777,11 +8838,14 @@
           </a:p>
           <a:p>
             <a:pPr marL="342900" lvl="1" indent="-342900">
+              <a:lnSpc>
+                <a:spcPct val="200000"/>
+              </a:lnSpc>
               <a:buFont typeface="Arial" charset="0"/>
               <a:buChar char="•"/>
             </a:pPr>
             <a:r>
-              <a:rPr lang="en-US" altLang="zh-CN" sz="2400" dirty="0" smtClean="0">
+              <a:rPr lang="en-US" altLang="zh-CN" sz="2000" dirty="0" smtClean="0">
                 <a:solidFill>
                   <a:srgbClr val="333333"/>
                 </a:solidFill>
@@ -8790,33 +8854,15 @@
               <a:t>2018</a:t>
             </a:r>
             <a:r>
-              <a:rPr lang="zh-CN" altLang="en-US" sz="2400" dirty="0" smtClean="0">
+              <a:rPr lang="zh-CN" altLang="en-US" sz="2000" dirty="0" smtClean="0">
                 <a:solidFill>
                   <a:srgbClr val="333333"/>
                 </a:solidFill>
                 <a:latin typeface="arial" charset="0"/>
               </a:rPr>
-              <a:t>年</a:t>
-            </a:r>
-            <a:r>
-              <a:rPr lang="zh-CN" altLang="en-US" sz="2400" dirty="0" smtClean="0">
-                <a:solidFill>
-                  <a:srgbClr val="333333"/>
-                </a:solidFill>
-                <a:latin typeface="arial" charset="0"/>
-              </a:rPr>
-              <a:t>工作过程中，遇到问题，深入源码，并整理成文（见下一页</a:t>
-            </a:r>
-            <a:r>
-              <a:rPr lang="zh-CN" altLang="en-US" sz="2400" dirty="0" smtClean="0">
-                <a:solidFill>
-                  <a:srgbClr val="333333"/>
-                </a:solidFill>
-                <a:latin typeface="arial" charset="0"/>
-              </a:rPr>
-              <a:t>）</a:t>
-            </a:r>
-            <a:endParaRPr lang="en-US" altLang="zh-CN" sz="2400" dirty="0" smtClean="0">
+              <a:t>年工作过程中，遇到问题，深入源码，并整理成文（见下一页）</a:t>
+            </a:r>
+            <a:endParaRPr lang="en-US" altLang="zh-CN" sz="2000" dirty="0" smtClean="0">
               <a:solidFill>
                 <a:srgbClr val="333333"/>
               </a:solidFill>
@@ -8825,11 +8871,14 @@
           </a:p>
           <a:p>
             <a:pPr marL="342900" lvl="1" indent="-342900">
+              <a:lnSpc>
+                <a:spcPct val="200000"/>
+              </a:lnSpc>
               <a:buFont typeface="Arial" charset="0"/>
               <a:buChar char="•"/>
             </a:pPr>
             <a:r>
-              <a:rPr lang="zh-CN" altLang="en-US" sz="2400" dirty="0" smtClean="0">
+              <a:rPr lang="zh-CN" altLang="en-US" sz="2000" dirty="0" smtClean="0">
                 <a:solidFill>
                   <a:srgbClr val="333333"/>
                 </a:solidFill>
@@ -8837,7 +8886,7 @@
               </a:rPr>
               <a:t>分析工具使用、新功能使用及原理分析</a:t>
             </a:r>
-            <a:endParaRPr lang="zh-CN" altLang="en-US" sz="2400" dirty="0">
+            <a:endParaRPr lang="zh-CN" altLang="en-US" sz="2000" dirty="0">
               <a:solidFill>
                 <a:srgbClr val="333333"/>
               </a:solidFill>
@@ -8846,10 +8895,13 @@
           </a:p>
           <a:p>
             <a:pPr marL="342900" indent="-342900">
+              <a:lnSpc>
+                <a:spcPct val="200000"/>
+              </a:lnSpc>
               <a:buFont typeface="Arial" charset="0"/>
               <a:buChar char="•"/>
             </a:pPr>
-            <a:endParaRPr lang="zh-CN" altLang="en-US" sz="2400" dirty="0"/>
+            <a:endParaRPr lang="zh-CN" altLang="en-US" sz="2000" dirty="0"/>
           </a:p>
         </p:txBody>
       </p:sp>
@@ -8962,10 +9014,6 @@
               <a:rPr lang="zh-CN" altLang="en-US" sz="1600" dirty="0"/>
               <a:t>原理简析 （技术的原理，问题定位，限定）</a:t>
             </a:r>
-            <a:r>
-              <a:rPr lang="zh-CN" altLang="en-US" sz="1600" dirty="0"/>
-              <a:t/>
-            </a:r>
             <a:br>
               <a:rPr lang="zh-CN" altLang="en-US" sz="1600" dirty="0"/>
             </a:br>
@@ -8981,10 +9029,6 @@
               <a:rPr lang="zh-CN" altLang="en-US" sz="1600" dirty="0"/>
               <a:t>呈现模式原理及卡顿掉帧浅析 （工具的问题）</a:t>
             </a:r>
-            <a:r>
-              <a:rPr lang="zh-CN" altLang="en-US" sz="1600" dirty="0"/>
-              <a:t/>
-            </a:r>
             <a:br>
               <a:rPr lang="zh-CN" altLang="en-US" sz="1600" dirty="0"/>
             </a:br>
@@ -9016,10 +9060,6 @@
               <a:rPr lang="zh-CN" altLang="en-US" sz="1600" dirty="0"/>
               <a:t>）销毁分析 多栈任务的风险（智能客服）</a:t>
             </a:r>
-            <a:r>
-              <a:rPr lang="zh-CN" altLang="en-US" sz="1600" dirty="0"/>
-              <a:t/>
-            </a:r>
             <a:br>
               <a:rPr lang="zh-CN" altLang="en-US" sz="1600" dirty="0"/>
             </a:br>
@@ -9043,10 +9083,6 @@
               <a:rPr lang="zh-CN" altLang="en-US" sz="1600" dirty="0"/>
               <a:t>进程重启）原理解析 后台保活的必须及可行性分析</a:t>
             </a:r>
-            <a:r>
-              <a:rPr lang="zh-CN" altLang="en-US" sz="1600" dirty="0"/>
-              <a:t/>
-            </a:r>
             <a:br>
               <a:rPr lang="zh-CN" altLang="en-US" sz="1600" dirty="0"/>
             </a:br>
@@ -9117,10 +9153,6 @@
               <a:rPr lang="zh-CN" altLang="en-US" sz="1600" dirty="0"/>
               <a:t>原理浅析</a:t>
             </a:r>
-            <a:r>
-              <a:rPr lang="zh-CN" altLang="en-US" sz="1600" dirty="0"/>
-              <a:t/>
-            </a:r>
             <a:br>
               <a:rPr lang="zh-CN" altLang="en-US" sz="1600" dirty="0"/>
             </a:br>
@@ -9144,10 +9176,6 @@
               <a:rPr lang="zh-CN" altLang="en-US" sz="1600" dirty="0"/>
               <a:t>） 缓存增大</a:t>
             </a:r>
-            <a:r>
-              <a:rPr lang="zh-CN" altLang="en-US" sz="1600" dirty="0"/>
-              <a:t/>
-            </a:r>
             <a:br>
               <a:rPr lang="zh-CN" altLang="en-US" sz="1600" dirty="0"/>
             </a:br>
@@ -9163,10 +9191,6 @@
               <a:rPr lang="zh-CN" altLang="en-US" sz="1600" dirty="0"/>
               <a:t>流量上网原理简析 风控技术</a:t>
             </a:r>
-            <a:r>
-              <a:rPr lang="zh-CN" altLang="en-US" sz="1600" dirty="0"/>
-              <a:t/>
-            </a:r>
             <a:br>
               <a:rPr lang="zh-CN" altLang="en-US" sz="1600" dirty="0"/>
             </a:br>
@@ -9194,10 +9218,6 @@
               <a:rPr lang="zh-CN" altLang="en-US" sz="1600" dirty="0"/>
               <a:t>上网的区别</a:t>
             </a:r>
-            <a:r>
-              <a:rPr lang="zh-CN" altLang="en-US" sz="1600" dirty="0"/>
-              <a:t/>
-            </a:r>
             <a:br>
               <a:rPr lang="zh-CN" altLang="en-US" sz="1600" dirty="0"/>
             </a:br>
@@ -9217,10 +9237,6 @@
               <a:rPr lang="zh-CN" altLang="en-US" sz="1600" dirty="0"/>
               <a:t>布局渲染工具原理分析</a:t>
             </a:r>
-            <a:r>
-              <a:rPr lang="zh-CN" altLang="en-US" sz="1600" dirty="0"/>
-              <a:t/>
-            </a:r>
             <a:br>
               <a:rPr lang="zh-CN" altLang="en-US" sz="1600" dirty="0"/>
             </a:br>
@@ -9252,10 +9268,6 @@
               <a:rPr lang="zh-CN" altLang="en-US" sz="1600" dirty="0"/>
               <a:t>技术）</a:t>
             </a:r>
-            <a:r>
-              <a:rPr lang="zh-CN" altLang="en-US" sz="1600" dirty="0"/>
-              <a:t/>
-            </a:r>
             <a:br>
               <a:rPr lang="zh-CN" altLang="en-US" sz="1600" dirty="0"/>
             </a:br>
@@ -9279,10 +9291,6 @@
               <a:rPr lang="zh-CN" altLang="en-US" sz="1600" dirty="0"/>
               <a:t>方法 ）</a:t>
             </a:r>
-            <a:r>
-              <a:rPr lang="zh-CN" altLang="en-US" sz="1600" dirty="0"/>
-              <a:t/>
-            </a:r>
             <a:br>
               <a:rPr lang="zh-CN" altLang="en-US" sz="1600" dirty="0"/>
             </a:br>
@@ -9322,10 +9330,6 @@
               <a:rPr lang="zh-CN" altLang="en-US" sz="1600" dirty="0"/>
               <a:t>一次拷贝深入分析）</a:t>
             </a:r>
-            <a:r>
-              <a:rPr lang="zh-CN" altLang="en-US" sz="1600" dirty="0"/>
-              <a:t/>
-            </a:r>
             <a:br>
               <a:rPr lang="zh-CN" altLang="en-US" sz="1600" dirty="0"/>
             </a:br>
@@ -9340,10 +9344,6 @@
             <a:r>
               <a:rPr lang="zh-CN" altLang="en-US" sz="1600" dirty="0"/>
               <a:t>刷新问题原理分析及解决方案</a:t>
-            </a:r>
-            <a:r>
-              <a:rPr lang="zh-CN" altLang="en-US" sz="1600" dirty="0"/>
-              <a:t/>
             </a:r>
             <a:br>
               <a:rPr lang="zh-CN" altLang="en-US" sz="1600" dirty="0"/>
@@ -19481,16 +19481,10 @@
               <a:t> </a:t>
             </a:r>
             <a:r>
-              <a:rPr lang="en-US" altLang="zh-CN" sz="2000" dirty="0" smtClean="0">
-                <a:latin typeface="+mn-ea"/>
-              </a:rPr>
-              <a:t>WMS</a:t>
-            </a:r>
-            <a:r>
               <a:rPr lang="zh-CN" altLang="en-US" sz="2000" dirty="0" smtClean="0">
                 <a:latin typeface="+mn-ea"/>
               </a:rPr>
-              <a:t>系统、多媒体系统（视频、音频）</a:t>
+              <a:t>系统，熟悉源码架构指导开发，并逐渐形成自己知识体系</a:t>
             </a:r>
             <a:endParaRPr lang="en-US" altLang="zh-CN" sz="2000" dirty="0" smtClean="0">
               <a:latin typeface="+mn-ea"/>
@@ -19514,79 +19508,13 @@
               <a:rPr lang="zh-CN" altLang="en-US" sz="2000" dirty="0" smtClean="0">
                 <a:latin typeface="+mn-ea"/>
               </a:rPr>
-              <a:t>深入分析</a:t>
-            </a:r>
-            <a:r>
-              <a:rPr lang="en-US" altLang="zh-CN" sz="2000" dirty="0" smtClean="0">
-                <a:latin typeface="+mn-ea"/>
-              </a:rPr>
-              <a:t>Android</a:t>
+              <a:t>持续学习性能调优、</a:t>
             </a:r>
             <a:r>
               <a:rPr lang="zh-CN" altLang="en-US" sz="2000" dirty="0" smtClean="0">
                 <a:latin typeface="+mn-ea"/>
               </a:rPr>
-              <a:t> </a:t>
-            </a:r>
-            <a:r>
-              <a:rPr lang="en-US" altLang="zh-CN" sz="2000" dirty="0" smtClean="0">
-                <a:latin typeface="+mn-ea"/>
-              </a:rPr>
-              <a:t>3D</a:t>
-            </a:r>
-            <a:r>
-              <a:rPr lang="zh-CN" altLang="en-US" sz="2000" dirty="0" smtClean="0">
-                <a:latin typeface="+mn-ea"/>
-              </a:rPr>
-              <a:t>绘制与原理，</a:t>
-            </a:r>
-            <a:r>
-              <a:rPr lang="en-US" altLang="zh-CN" sz="2000" dirty="0" smtClean="0">
-                <a:latin typeface="+mn-ea"/>
-              </a:rPr>
-              <a:t>《</a:t>
-            </a:r>
-            <a:r>
-              <a:rPr lang="zh-CN" altLang="en-US" sz="2000" dirty="0" smtClean="0">
-                <a:latin typeface="+mn-ea"/>
-              </a:rPr>
-              <a:t>严选</a:t>
-            </a:r>
-            <a:r>
-              <a:rPr lang="en-US" altLang="zh-CN" sz="2000" dirty="0" smtClean="0">
-                <a:latin typeface="+mn-ea"/>
-              </a:rPr>
-              <a:t>》</a:t>
-            </a:r>
-            <a:r>
-              <a:rPr lang="zh-CN" altLang="en-US" sz="2000" dirty="0" smtClean="0">
-                <a:latin typeface="+mn-ea"/>
-              </a:rPr>
-              <a:t>的详情定制模块将来可能做</a:t>
-            </a:r>
-            <a:r>
-              <a:rPr lang="en-US" altLang="zh-CN" sz="2000" dirty="0" smtClean="0">
-                <a:latin typeface="+mn-ea"/>
-              </a:rPr>
-              <a:t>native</a:t>
-            </a:r>
-            <a:r>
-              <a:rPr lang="zh-CN" altLang="en-US" sz="2000" dirty="0" smtClean="0">
-                <a:latin typeface="+mn-ea"/>
-              </a:rPr>
-              <a:t> </a:t>
-            </a:r>
-            <a:r>
-              <a:rPr lang="en-US" altLang="zh-CN" sz="2000" dirty="0" smtClean="0">
-                <a:latin typeface="+mn-ea"/>
-              </a:rPr>
-              <a:t>3D</a:t>
-            </a:r>
-            <a:r>
-              <a:rPr lang="zh-CN" altLang="en-US" sz="2000" dirty="0" smtClean="0">
-                <a:latin typeface="+mn-ea"/>
-              </a:rPr>
-              <a:t>预览</a:t>
+              <a:t>模块框架设计等</a:t>
             </a:r>
             <a:endParaRPr lang="en-US" altLang="zh-CN" sz="2000" dirty="0" smtClean="0">
               <a:latin typeface="+mn-ea"/>
@@ -19610,8 +19538,11 @@
               <a:rPr lang="zh-CN" altLang="en-US" sz="2000" dirty="0" smtClean="0">
                 <a:latin typeface="+mn-ea"/>
               </a:rPr>
-              <a:t>持续学习性能调优、模块设计等</a:t>
-            </a:r>
+              <a:t>继续培养新员工</a:t>
+            </a:r>
+            <a:endParaRPr lang="zh-CN" altLang="en-US" sz="2000" dirty="0" smtClean="0">
+              <a:latin typeface="+mn-ea"/>
+            </a:endParaRPr>
           </a:p>
           <a:p>
             <a:endParaRPr lang="en-US" altLang="zh-CN" sz="2000" dirty="0">
@@ -22559,11 +22490,7 @@
             </a:r>
             <a:r>
               <a:rPr lang="zh-CN" altLang="en-US" dirty="0" smtClean="0"/>
-              <a:t>方案</a:t>
-            </a:r>
-            <a:r>
-              <a:rPr lang="zh-CN" altLang="en-US" dirty="0" smtClean="0"/>
-              <a:t>优化</a:t>
+              <a:t>方案优化</a:t>
             </a:r>
             <a:endParaRPr lang="zh-CN" altLang="en-US" dirty="0"/>
           </a:p>
@@ -22616,25 +22543,7 @@
                 </a:solidFill>
                 <a:latin typeface="arial" charset="0"/>
               </a:rPr>
-              <a:t>、提高模拟器</a:t>
-            </a:r>
-            <a:r>
-              <a:rPr lang="zh-CN" altLang="en-US" sz="2000" b="1" dirty="0" smtClean="0">
-                <a:solidFill>
-                  <a:srgbClr val="333333"/>
-                </a:solidFill>
-                <a:latin typeface="arial" charset="0"/>
-              </a:rPr>
-              <a:t>识别</a:t>
-            </a:r>
-            <a:r>
-              <a:rPr lang="zh-CN" altLang="en-US" sz="2000" b="1" dirty="0" smtClean="0">
-                <a:solidFill>
-                  <a:srgbClr val="333333"/>
-                </a:solidFill>
-                <a:latin typeface="arial" charset="0"/>
-              </a:rPr>
-              <a:t>准确性及稳定性</a:t>
+              <a:t>、提高模拟器识别准确性及稳定性</a:t>
             </a:r>
             <a:endParaRPr lang="en-US" altLang="zh-CN" sz="2000" b="1" dirty="0" smtClean="0">
               <a:solidFill>
@@ -22721,16 +22630,7 @@
                 </a:solidFill>
                 <a:latin typeface="arial" charset="0"/>
               </a:rPr>
-              <a:t>分析，真机误杀概率非常</a:t>
-            </a:r>
-            <a:r>
-              <a:rPr lang="zh-CN" altLang="en-US" sz="2000" dirty="0" smtClean="0">
-                <a:solidFill>
-                  <a:srgbClr val="333333"/>
-                </a:solidFill>
-                <a:latin typeface="arial" charset="0"/>
-              </a:rPr>
-              <a:t>低</a:t>
+              <a:t>分析，真机误杀概率非常低</a:t>
             </a:r>
             <a:endParaRPr lang="en-US" altLang="zh-CN" sz="2000" dirty="0" smtClean="0">
               <a:solidFill>
@@ -22771,12 +22671,6 @@
               </a:rPr>
               <a:t>0</a:t>
             </a:r>
-            <a:endParaRPr lang="en-US" altLang="zh-CN" sz="2000" dirty="0" smtClean="0">
-              <a:solidFill>
-                <a:srgbClr val="333333"/>
-              </a:solidFill>
-              <a:latin typeface="arial" charset="0"/>
-            </a:endParaRPr>
           </a:p>
         </p:txBody>
       </p:sp>

--- a/_posts/升级/2019/H4186-李尚-2019-升级答辩PPT .pptx
+++ b/_posts/升级/2019/H4186-李尚-2019-升级答辩PPT .pptx
@@ -6949,7 +6949,7 @@
           <a:p>
             <a:fld id="{4BBC6DC2-B80C-4961-94AA-CC4E29D25E6E}" type="datetimeFigureOut">
               <a:rPr lang="zh-CN" altLang="en-US" smtClean="0"/>
-              <a:t>2020/1/29</a:t>
+              <a:t>2020/2/10</a:t>
             </a:fld>
             <a:endParaRPr lang="zh-CN" altLang="en-US"/>
           </a:p>
@@ -7335,7 +7335,7 @@
           <a:p>
             <a:fld id="{4BBC6DC2-B80C-4961-94AA-CC4E29D25E6E}" type="datetimeFigureOut">
               <a:rPr lang="zh-CN" altLang="en-US" smtClean="0"/>
-              <a:t>2020/1/29</a:t>
+              <a:t>2020/2/10</a:t>
             </a:fld>
             <a:endParaRPr lang="zh-CN" altLang="en-US"/>
           </a:p>
@@ -21981,7 +21981,7 @@
         <p:spPr>
           <a:xfrm>
             <a:off x="3503712" y="980728"/>
-            <a:ext cx="8688288" cy="5400600"/>
+            <a:ext cx="6371411" cy="3960440"/>
           </a:xfrm>
           <a:prstGeom prst="rect">
             <a:avLst/>
